--- a/files/slides/lecture_2.pptx
+++ b/files/slides/lecture_2.pptx
@@ -4880,7 +4880,7 @@
               <a:t>Chapter</a:t>
             </a:r>
             <a:r>
-              <a:rPr lang="" altLang="en-US" sz="2000" dirty="0">
+              <a:rPr lang="en-US" altLang="en-US" sz="2000" dirty="0">
                 <a:latin typeface="微软雅黑" panose="020B0503020204020204" charset="-122"/>
                 <a:ea typeface="微软雅黑" panose="020B0503020204020204" charset="-122"/>
                 <a:cs typeface="Times New Roman" panose="02020603050405020304" pitchFamily="18" charset="0"/>
@@ -7273,7 +7273,7 @@
               <a:t> in Python before using these corpora</a:t>
             </a:r>
             <a:r>
-              <a:rPr lang="" altLang="en-US" sz="2400" dirty="0">
+              <a:rPr lang="en-US" altLang="en-US" sz="2400" dirty="0">
                 <a:latin typeface="微软雅黑" panose="020B0503020204020204" charset="-122"/>
                 <a:ea typeface="微软雅黑" panose="020B0503020204020204" charset="-122"/>
                 <a:cs typeface="Times New Roman" panose="02020603050405020304" pitchFamily="18" charset="0"/>
@@ -7672,7 +7672,7 @@
               <a:t>1.7   Corpora in Other Languages</a:t>
             </a:r>
             <a:r>
-              <a:rPr lang="" altLang="en-US" dirty="0" smtClean="0">
+              <a:rPr lang="en-US" altLang="en-US" dirty="0" smtClean="0">
                 <a:solidFill>
                   <a:schemeClr val="tx1"/>
                 </a:solidFill>
@@ -7681,7 +7681,7 @@
               </a:rPr>
               <a:t> (contd.)</a:t>
             </a:r>
-            <a:endParaRPr lang="" altLang="en-US" dirty="0" smtClean="0">
+            <a:endParaRPr lang="en-US" altLang="en-US" dirty="0" smtClean="0">
               <a:solidFill>
                 <a:schemeClr val="tx1"/>
               </a:solidFill>
@@ -9601,7 +9601,7 @@
               <a:t>1.8   Text Corpus Structure</a:t>
             </a:r>
             <a:r>
-              <a:rPr lang="" altLang="en-US" dirty="0" smtClean="0">
+              <a:rPr lang="en-US" altLang="en-US" dirty="0" smtClean="0">
                 <a:solidFill>
                   <a:schemeClr val="tx1"/>
                 </a:solidFill>
@@ -9610,7 +9610,7 @@
               </a:rPr>
               <a:t> (contd.)</a:t>
             </a:r>
-            <a:endParaRPr lang="" altLang="en-US" dirty="0" smtClean="0">
+            <a:endParaRPr lang="en-US" altLang="en-US" dirty="0" smtClean="0">
               <a:solidFill>
                 <a:schemeClr val="tx1"/>
               </a:solidFill>
@@ -12355,7 +12355,7 @@
               <a:t>2.1   Conditions and Events</a:t>
             </a:r>
             <a:r>
-              <a:rPr lang="" altLang="en-US" sz="2800" dirty="0" smtClean="0">
+              <a:rPr lang="en-US" altLang="en-US" sz="2800" dirty="0" smtClean="0">
                 <a:solidFill>
                   <a:schemeClr val="tx1"/>
                 </a:solidFill>
@@ -12364,7 +12364,7 @@
               </a:rPr>
               <a:t> (contd.)</a:t>
             </a:r>
-            <a:endParaRPr lang="" altLang="en-US" sz="2800" dirty="0" smtClean="0">
+            <a:endParaRPr lang="en-US" altLang="en-US" sz="2800" dirty="0" smtClean="0">
               <a:solidFill>
                 <a:schemeClr val="tx1"/>
               </a:solidFill>
@@ -14883,7 +14883,7 @@
               <a:t>2.2   Counting Words by Genre</a:t>
             </a:r>
             <a:r>
-              <a:rPr lang="" altLang="en-US" sz="2800" dirty="0" smtClean="0">
+              <a:rPr lang="en-US" altLang="en-US" sz="2800" dirty="0" smtClean="0">
                 <a:solidFill>
                   <a:schemeClr val="tx1"/>
                 </a:solidFill>
@@ -14892,7 +14892,7 @@
               </a:rPr>
               <a:t> (contd.)</a:t>
             </a:r>
-            <a:endParaRPr lang="" altLang="en-US" sz="2800" dirty="0" smtClean="0">
+            <a:endParaRPr lang="en-US" altLang="en-US" sz="2800" dirty="0" smtClean="0">
               <a:solidFill>
                 <a:schemeClr val="tx1"/>
               </a:solidFill>
@@ -16721,7 +16721,7 @@
               <a:t>2.3   Plotting and Tabulating Distributions</a:t>
             </a:r>
             <a:r>
-              <a:rPr lang="" altLang="en-US" sz="2800" dirty="0" smtClean="0">
+              <a:rPr lang="en-US" altLang="en-US" sz="2800" dirty="0" smtClean="0">
                 <a:solidFill>
                   <a:schemeClr val="tx1"/>
                 </a:solidFill>
@@ -16730,7 +16730,7 @@
               </a:rPr>
               <a:t> (contd.)</a:t>
             </a:r>
-            <a:endParaRPr lang="" altLang="en-US" sz="2800" dirty="0" smtClean="0">
+            <a:endParaRPr lang="en-US" altLang="en-US" sz="2800" dirty="0" smtClean="0">
               <a:solidFill>
                 <a:schemeClr val="tx1"/>
               </a:solidFill>
@@ -18733,7 +18733,7 @@
               <a:t>1.1   Gutenberg Corpus </a:t>
             </a:r>
             <a:r>
-              <a:rPr lang="" altLang="en-US" dirty="0" smtClean="0">
+              <a:rPr lang="en-US" altLang="en-US" dirty="0" smtClean="0">
                 <a:solidFill>
                   <a:schemeClr val="tx1"/>
                 </a:solidFill>
@@ -18742,7 +18742,7 @@
               </a:rPr>
               <a:t>(contd.)</a:t>
             </a:r>
-            <a:endParaRPr lang="" altLang="en-US" dirty="0" smtClean="0">
+            <a:endParaRPr lang="en-US" altLang="en-US" dirty="0" smtClean="0">
               <a:solidFill>
                 <a:schemeClr val="tx1"/>
               </a:solidFill>
@@ -21740,17 +21740,9 @@
                 <a:ea typeface="微软雅黑" panose="020B0503020204020204" charset="-122"/>
                 <a:cs typeface="Times New Roman" panose="02020603050405020304" pitchFamily="18" charset="0"/>
               </a:rPr>
-              <a:t>The Reuters Corpus contains 10,788 news documents totaling 1.3 million words. The documents have been classified into 90 topics, and grouped into two sets, called "training" and "test"; thus, the text with fileid 'test/14826' is a document drawn from the test set. This split is for training and testing algorithms that automatically detect the topic of a document</a:t>
+              <a:t>The Reuters Corpus contains 10,788 news documents totaling 1.3 million words. The documents have been classified into 90 topics, and grouped into two sets, called "training" and "test"; thus, the text with fileid 'test/14826' is a document drawn from the test set. This split is for training and testing algorithms that automatically detect the topic of a document.</a:t>
             </a:r>
-            <a:r>
-              <a:rPr lang="" altLang="en-US" sz="2400" dirty="0">
-                <a:latin typeface="微软雅黑" panose="020B0503020204020204" charset="-122"/>
-                <a:ea typeface="微软雅黑" panose="020B0503020204020204" charset="-122"/>
-                <a:cs typeface="Times New Roman" panose="02020603050405020304" pitchFamily="18" charset="0"/>
-              </a:rPr>
-              <a:t>.</a:t>
-            </a:r>
-            <a:endParaRPr lang="" altLang="en-US" sz="2400" dirty="0">
+            <a:endParaRPr lang="en-US" altLang="en-US" sz="2400" dirty="0">
               <a:latin typeface="微软雅黑" panose="020B0503020204020204" charset="-122"/>
               <a:ea typeface="微软雅黑" panose="020B0503020204020204" charset="-122"/>
               <a:cs typeface="Times New Roman" panose="02020603050405020304" pitchFamily="18" charset="0"/>
@@ -22543,14 +22535,14 @@
               <a:t>time dimension</a:t>
             </a:r>
             <a:r>
-              <a:rPr lang="" altLang="en-US" sz="2400" dirty="0">
+              <a:rPr lang="en-US" altLang="en-US" sz="2400" dirty="0">
                 <a:latin typeface="微软雅黑" panose="020B0503020204020204" charset="-122"/>
                 <a:ea typeface="微软雅黑" panose="020B0503020204020204" charset="-122"/>
                 <a:cs typeface="Times New Roman" panose="02020603050405020304" pitchFamily="18" charset="0"/>
               </a:rPr>
               <a:t>.</a:t>
             </a:r>
-            <a:endParaRPr lang="" altLang="en-US" sz="2400" dirty="0">
+            <a:endParaRPr lang="en-US" altLang="en-US" sz="2400" dirty="0">
               <a:latin typeface="微软雅黑" panose="020B0503020204020204" charset="-122"/>
               <a:ea typeface="微软雅黑" panose="020B0503020204020204" charset="-122"/>
               <a:cs typeface="Times New Roman" panose="02020603050405020304" pitchFamily="18" charset="0"/>
